--- a/res/powerpointStuff.pptx
+++ b/res/powerpointStuff.pptx
@@ -7,6 +7,7 @@
   <p:sldIdLst>
     <p:sldId id="256" r:id="rId2"/>
     <p:sldId id="257" r:id="rId3"/>
+    <p:sldId id="258" r:id="rId4"/>
   </p:sldIdLst>
   <p:sldSz cx="12192000" cy="6858000"/>
   <p:notesSz cx="6858000" cy="9144000"/>
@@ -105,6 +106,11 @@
       </a:defRPr>
     </a:lvl9pPr>
   </p:defaultTextStyle>
+  <p:extLst>
+    <p:ext uri="{EFAFB233-063F-42B5-8137-9DF3F51BA10A}">
+      <p15:sldGuideLst xmlns:p15="http://schemas.microsoft.com/office/powerpoint/2012/main"/>
+    </p:ext>
+  </p:extLst>
 </p:presentation>
 </file>
 
@@ -257,7 +263,7 @@
           <a:p>
             <a:fld id="{B421AC3D-027B-484B-A2F8-907A26DE9639}" type="datetimeFigureOut">
               <a:rPr lang="en-US" smtClean="0"/>
-              <a:t>4/19/24</a:t>
+              <a:t>5/1/24</a:t>
             </a:fld>
             <a:endParaRPr lang="en-US"/>
           </a:p>
@@ -457,7 +463,7 @@
           <a:p>
             <a:fld id="{B421AC3D-027B-484B-A2F8-907A26DE9639}" type="datetimeFigureOut">
               <a:rPr lang="en-US" smtClean="0"/>
-              <a:t>4/19/24</a:t>
+              <a:t>5/1/24</a:t>
             </a:fld>
             <a:endParaRPr lang="en-US"/>
           </a:p>
@@ -667,7 +673,7 @@
           <a:p>
             <a:fld id="{B421AC3D-027B-484B-A2F8-907A26DE9639}" type="datetimeFigureOut">
               <a:rPr lang="en-US" smtClean="0"/>
-              <a:t>4/19/24</a:t>
+              <a:t>5/1/24</a:t>
             </a:fld>
             <a:endParaRPr lang="en-US"/>
           </a:p>
@@ -867,7 +873,7 @@
           <a:p>
             <a:fld id="{B421AC3D-027B-484B-A2F8-907A26DE9639}" type="datetimeFigureOut">
               <a:rPr lang="en-US" smtClean="0"/>
-              <a:t>4/19/24</a:t>
+              <a:t>5/1/24</a:t>
             </a:fld>
             <a:endParaRPr lang="en-US"/>
           </a:p>
@@ -1143,7 +1149,7 @@
           <a:p>
             <a:fld id="{B421AC3D-027B-484B-A2F8-907A26DE9639}" type="datetimeFigureOut">
               <a:rPr lang="en-US" smtClean="0"/>
-              <a:t>4/19/24</a:t>
+              <a:t>5/1/24</a:t>
             </a:fld>
             <a:endParaRPr lang="en-US"/>
           </a:p>
@@ -1411,7 +1417,7 @@
           <a:p>
             <a:fld id="{B421AC3D-027B-484B-A2F8-907A26DE9639}" type="datetimeFigureOut">
               <a:rPr lang="en-US" smtClean="0"/>
-              <a:t>4/19/24</a:t>
+              <a:t>5/1/24</a:t>
             </a:fld>
             <a:endParaRPr lang="en-US"/>
           </a:p>
@@ -1826,7 +1832,7 @@
           <a:p>
             <a:fld id="{B421AC3D-027B-484B-A2F8-907A26DE9639}" type="datetimeFigureOut">
               <a:rPr lang="en-US" smtClean="0"/>
-              <a:t>4/19/24</a:t>
+              <a:t>5/1/24</a:t>
             </a:fld>
             <a:endParaRPr lang="en-US"/>
           </a:p>
@@ -1968,7 +1974,7 @@
           <a:p>
             <a:fld id="{B421AC3D-027B-484B-A2F8-907A26DE9639}" type="datetimeFigureOut">
               <a:rPr lang="en-US" smtClean="0"/>
-              <a:t>4/19/24</a:t>
+              <a:t>5/1/24</a:t>
             </a:fld>
             <a:endParaRPr lang="en-US"/>
           </a:p>
@@ -2081,7 +2087,7 @@
           <a:p>
             <a:fld id="{B421AC3D-027B-484B-A2F8-907A26DE9639}" type="datetimeFigureOut">
               <a:rPr lang="en-US" smtClean="0"/>
-              <a:t>4/19/24</a:t>
+              <a:t>5/1/24</a:t>
             </a:fld>
             <a:endParaRPr lang="en-US"/>
           </a:p>
@@ -2394,7 +2400,7 @@
           <a:p>
             <a:fld id="{B421AC3D-027B-484B-A2F8-907A26DE9639}" type="datetimeFigureOut">
               <a:rPr lang="en-US" smtClean="0"/>
-              <a:t>4/19/24</a:t>
+              <a:t>5/1/24</a:t>
             </a:fld>
             <a:endParaRPr lang="en-US"/>
           </a:p>
@@ -2683,7 +2689,7 @@
           <a:p>
             <a:fld id="{B421AC3D-027B-484B-A2F8-907A26DE9639}" type="datetimeFigureOut">
               <a:rPr lang="en-US" smtClean="0"/>
-              <a:t>4/19/24</a:t>
+              <a:t>5/1/24</a:t>
             </a:fld>
             <a:endParaRPr lang="en-US"/>
           </a:p>
@@ -2926,7 +2932,7 @@
           <a:p>
             <a:fld id="{B421AC3D-027B-484B-A2F8-907A26DE9639}" type="datetimeFigureOut">
               <a:rPr lang="en-US" smtClean="0"/>
-              <a:t>4/19/24</a:t>
+              <a:t>5/1/24</a:t>
             </a:fld>
             <a:endParaRPr lang="en-US"/>
           </a:p>
@@ -3768,7 +3774,7 @@
                   <a:schemeClr val="tx1"/>
                 </a:solidFill>
               </a:rPr>
-              <a:t>remove features with less that a given % of QC values missing (or below the blank concentration)</a:t>
+              <a:t>Remove features with less that a given % of QC values missing (or below the blank concentration)</a:t>
             </a:r>
           </a:p>
         </p:txBody>
@@ -5726,6 +5732,71 @@
     <p:extLst>
       <p:ext uri="{BB962C8B-B14F-4D97-AF65-F5344CB8AC3E}">
         <p14:creationId xmlns:p14="http://schemas.microsoft.com/office/powerpoint/2010/main" val="1966644072"/>
+      </p:ext>
+    </p:extLst>
+  </p:cSld>
+  <p:clrMapOvr>
+    <a:masterClrMapping/>
+  </p:clrMapOvr>
+</p:sld>
+</file>
+
+<file path=ppt/slides/slide3.xml><?xml version="1.0" encoding="utf-8"?>
+<p:sld xmlns:a="http://schemas.openxmlformats.org/drawingml/2006/main" xmlns:r="http://schemas.openxmlformats.org/officeDocument/2006/relationships" xmlns:p="http://schemas.openxmlformats.org/presentationml/2006/main">
+  <p:cSld>
+    <p:spTree>
+      <p:nvGrpSpPr>
+        <p:cNvPr id="1" name=""/>
+        <p:cNvGrpSpPr/>
+        <p:nvPr/>
+      </p:nvGrpSpPr>
+      <p:grpSpPr>
+        <a:xfrm>
+          <a:off x="0" y="0"/>
+          <a:ext cx="0" cy="0"/>
+          <a:chOff x="0" y="0"/>
+          <a:chExt cx="0" cy="0"/>
+        </a:xfrm>
+      </p:grpSpPr>
+      <p:pic>
+        <p:nvPicPr>
+          <p:cNvPr id="3" name="Picture 2" descr="A screenshot of a computer&#10;&#10;Description automatically generated">
+            <a:extLst>
+              <a:ext uri="{FF2B5EF4-FFF2-40B4-BE49-F238E27FC236}">
+                <a16:creationId xmlns:a16="http://schemas.microsoft.com/office/drawing/2014/main" id="{68639F52-CACF-DFA8-481C-18F5DD6079D6}"/>
+              </a:ext>
+            </a:extLst>
+          </p:cNvPr>
+          <p:cNvPicPr>
+            <a:picLocks noChangeAspect="1"/>
+          </p:cNvPicPr>
+          <p:nvPr/>
+        </p:nvPicPr>
+        <p:blipFill>
+          <a:blip r:embed="rId2"/>
+          <a:stretch>
+            <a:fillRect/>
+          </a:stretch>
+        </p:blipFill>
+        <p:spPr>
+          <a:xfrm>
+            <a:off x="1531004" y="164757"/>
+            <a:ext cx="9218049" cy="6557319"/>
+          </a:xfrm>
+          <a:prstGeom prst="rect">
+            <a:avLst/>
+          </a:prstGeom>
+          <a:ln w="28575">
+            <a:solidFill>
+              <a:schemeClr val="tx1"/>
+            </a:solidFill>
+          </a:ln>
+        </p:spPr>
+      </p:pic>
+    </p:spTree>
+    <p:extLst>
+      <p:ext uri="{BB962C8B-B14F-4D97-AF65-F5344CB8AC3E}">
+        <p14:creationId xmlns:p14="http://schemas.microsoft.com/office/powerpoint/2010/main" val="4162370973"/>
       </p:ext>
     </p:extLst>
   </p:cSld>

--- a/res/powerpointStuff.pptx
+++ b/res/powerpointStuff.pptx
@@ -8,6 +8,7 @@
     <p:sldId id="256" r:id="rId2"/>
     <p:sldId id="257" r:id="rId3"/>
     <p:sldId id="258" r:id="rId4"/>
+    <p:sldId id="259" r:id="rId5"/>
   </p:sldIdLst>
   <p:sldSz cx="12192000" cy="6858000"/>
   <p:notesSz cx="6858000" cy="9144000"/>
@@ -263,7 +264,7 @@
           <a:p>
             <a:fld id="{B421AC3D-027B-484B-A2F8-907A26DE9639}" type="datetimeFigureOut">
               <a:rPr lang="en-US" smtClean="0"/>
-              <a:t>5/1/24</a:t>
+              <a:t>5/8/24</a:t>
             </a:fld>
             <a:endParaRPr lang="en-US"/>
           </a:p>
@@ -463,7 +464,7 @@
           <a:p>
             <a:fld id="{B421AC3D-027B-484B-A2F8-907A26DE9639}" type="datetimeFigureOut">
               <a:rPr lang="en-US" smtClean="0"/>
-              <a:t>5/1/24</a:t>
+              <a:t>5/8/24</a:t>
             </a:fld>
             <a:endParaRPr lang="en-US"/>
           </a:p>
@@ -673,7 +674,7 @@
           <a:p>
             <a:fld id="{B421AC3D-027B-484B-A2F8-907A26DE9639}" type="datetimeFigureOut">
               <a:rPr lang="en-US" smtClean="0"/>
-              <a:t>5/1/24</a:t>
+              <a:t>5/8/24</a:t>
             </a:fld>
             <a:endParaRPr lang="en-US"/>
           </a:p>
@@ -873,7 +874,7 @@
           <a:p>
             <a:fld id="{B421AC3D-027B-484B-A2F8-907A26DE9639}" type="datetimeFigureOut">
               <a:rPr lang="en-US" smtClean="0"/>
-              <a:t>5/1/24</a:t>
+              <a:t>5/8/24</a:t>
             </a:fld>
             <a:endParaRPr lang="en-US"/>
           </a:p>
@@ -1149,7 +1150,7 @@
           <a:p>
             <a:fld id="{B421AC3D-027B-484B-A2F8-907A26DE9639}" type="datetimeFigureOut">
               <a:rPr lang="en-US" smtClean="0"/>
-              <a:t>5/1/24</a:t>
+              <a:t>5/8/24</a:t>
             </a:fld>
             <a:endParaRPr lang="en-US"/>
           </a:p>
@@ -1417,7 +1418,7 @@
           <a:p>
             <a:fld id="{B421AC3D-027B-484B-A2F8-907A26DE9639}" type="datetimeFigureOut">
               <a:rPr lang="en-US" smtClean="0"/>
-              <a:t>5/1/24</a:t>
+              <a:t>5/8/24</a:t>
             </a:fld>
             <a:endParaRPr lang="en-US"/>
           </a:p>
@@ -1832,7 +1833,7 @@
           <a:p>
             <a:fld id="{B421AC3D-027B-484B-A2F8-907A26DE9639}" type="datetimeFigureOut">
               <a:rPr lang="en-US" smtClean="0"/>
-              <a:t>5/1/24</a:t>
+              <a:t>5/8/24</a:t>
             </a:fld>
             <a:endParaRPr lang="en-US"/>
           </a:p>
@@ -1974,7 +1975,7 @@
           <a:p>
             <a:fld id="{B421AC3D-027B-484B-A2F8-907A26DE9639}" type="datetimeFigureOut">
               <a:rPr lang="en-US" smtClean="0"/>
-              <a:t>5/1/24</a:t>
+              <a:t>5/8/24</a:t>
             </a:fld>
             <a:endParaRPr lang="en-US"/>
           </a:p>
@@ -2087,7 +2088,7 @@
           <a:p>
             <a:fld id="{B421AC3D-027B-484B-A2F8-907A26DE9639}" type="datetimeFigureOut">
               <a:rPr lang="en-US" smtClean="0"/>
-              <a:t>5/1/24</a:t>
+              <a:t>5/8/24</a:t>
             </a:fld>
             <a:endParaRPr lang="en-US"/>
           </a:p>
@@ -2400,7 +2401,7 @@
           <a:p>
             <a:fld id="{B421AC3D-027B-484B-A2F8-907A26DE9639}" type="datetimeFigureOut">
               <a:rPr lang="en-US" smtClean="0"/>
-              <a:t>5/1/24</a:t>
+              <a:t>5/8/24</a:t>
             </a:fld>
             <a:endParaRPr lang="en-US"/>
           </a:p>
@@ -2689,7 +2690,7 @@
           <a:p>
             <a:fld id="{B421AC3D-027B-484B-A2F8-907A26DE9639}" type="datetimeFigureOut">
               <a:rPr lang="en-US" smtClean="0"/>
-              <a:t>5/1/24</a:t>
+              <a:t>5/8/24</a:t>
             </a:fld>
             <a:endParaRPr lang="en-US"/>
           </a:p>
@@ -2932,7 +2933,7 @@
           <a:p>
             <a:fld id="{B421AC3D-027B-484B-A2F8-907A26DE9639}" type="datetimeFigureOut">
               <a:rPr lang="en-US" smtClean="0"/>
-              <a:t>5/1/24</a:t>
+              <a:t>5/8/24</a:t>
             </a:fld>
             <a:endParaRPr lang="en-US"/>
           </a:p>
@@ -5797,6 +5798,160 @@
     <p:extLst>
       <p:ext uri="{BB962C8B-B14F-4D97-AF65-F5344CB8AC3E}">
         <p14:creationId xmlns:p14="http://schemas.microsoft.com/office/powerpoint/2010/main" val="4162370973"/>
+      </p:ext>
+    </p:extLst>
+  </p:cSld>
+  <p:clrMapOvr>
+    <a:masterClrMapping/>
+  </p:clrMapOvr>
+</p:sld>
+</file>
+
+<file path=ppt/slides/slide4.xml><?xml version="1.0" encoding="utf-8"?>
+<p:sld xmlns:a="http://schemas.openxmlformats.org/drawingml/2006/main" xmlns:r="http://schemas.openxmlformats.org/officeDocument/2006/relationships" xmlns:p="http://schemas.openxmlformats.org/presentationml/2006/main">
+  <p:cSld>
+    <p:spTree>
+      <p:nvGrpSpPr>
+        <p:cNvPr id="1" name=""/>
+        <p:cNvGrpSpPr/>
+        <p:nvPr/>
+      </p:nvGrpSpPr>
+      <p:grpSpPr>
+        <a:xfrm>
+          <a:off x="0" y="0"/>
+          <a:ext cx="0" cy="0"/>
+          <a:chOff x="0" y="0"/>
+          <a:chExt cx="0" cy="0"/>
+        </a:xfrm>
+      </p:grpSpPr>
+      <p:sp>
+        <p:nvSpPr>
+          <p:cNvPr id="5" name="Rounded Rectangle 4">
+            <a:extLst>
+              <a:ext uri="{FF2B5EF4-FFF2-40B4-BE49-F238E27FC236}">
+                <a16:creationId xmlns:a16="http://schemas.microsoft.com/office/drawing/2014/main" id="{99E15B96-6A29-90AA-25C8-4953C91D89E3}"/>
+              </a:ext>
+            </a:extLst>
+          </p:cNvPr>
+          <p:cNvSpPr/>
+          <p:nvPr/>
+        </p:nvSpPr>
+        <p:spPr>
+          <a:xfrm>
+            <a:off x="2586681" y="1828800"/>
+            <a:ext cx="6886832" cy="3124200"/>
+          </a:xfrm>
+          <a:prstGeom prst="roundRect">
+            <a:avLst>
+              <a:gd name="adj" fmla="val 47284"/>
+            </a:avLst>
+          </a:prstGeom>
+          <a:solidFill>
+            <a:schemeClr val="accent2">
+              <a:lumMod val="20000"/>
+              <a:lumOff val="80000"/>
+            </a:schemeClr>
+          </a:solidFill>
+          <a:ln w="38100">
+            <a:solidFill>
+              <a:schemeClr val="tx1"/>
+            </a:solidFill>
+          </a:ln>
+        </p:spPr>
+        <p:style>
+          <a:lnRef idx="2">
+            <a:schemeClr val="accent1">
+              <a:shade val="15000"/>
+            </a:schemeClr>
+          </a:lnRef>
+          <a:fillRef idx="1">
+            <a:schemeClr val="accent1"/>
+          </a:fillRef>
+          <a:effectRef idx="0">
+            <a:schemeClr val="accent1"/>
+          </a:effectRef>
+          <a:fontRef idx="minor">
+            <a:schemeClr val="lt1"/>
+          </a:fontRef>
+        </p:style>
+        <p:txBody>
+          <a:bodyPr rtlCol="0" anchor="ctr"/>
+          <a:lstStyle/>
+          <a:p>
+            <a:pPr algn="ctr"/>
+            <a:endParaRPr lang="en-US"/>
+          </a:p>
+        </p:txBody>
+      </p:sp>
+      <p:pic>
+        <p:nvPicPr>
+          <p:cNvPr id="3" name="Picture 2" descr="A logo with text and circles&#10;&#10;Description automatically generated with medium confidence">
+            <a:extLst>
+              <a:ext uri="{FF2B5EF4-FFF2-40B4-BE49-F238E27FC236}">
+                <a16:creationId xmlns:a16="http://schemas.microsoft.com/office/drawing/2014/main" id="{1000A555-CE08-B4E6-7421-AC3ED1C5FD6B}"/>
+              </a:ext>
+            </a:extLst>
+          </p:cNvPr>
+          <p:cNvPicPr>
+            <a:picLocks noChangeAspect="1"/>
+          </p:cNvPicPr>
+          <p:nvPr/>
+        </p:nvPicPr>
+        <p:blipFill>
+          <a:blip r:embed="rId2"/>
+          <a:stretch>
+            <a:fillRect/>
+          </a:stretch>
+        </p:blipFill>
+        <p:spPr>
+          <a:xfrm>
+            <a:off x="2927350" y="1880286"/>
+            <a:ext cx="6337300" cy="3048000"/>
+          </a:xfrm>
+          <a:prstGeom prst="rect">
+            <a:avLst/>
+          </a:prstGeom>
+        </p:spPr>
+      </p:pic>
+      <p:sp>
+        <p:nvSpPr>
+          <p:cNvPr id="4" name="TextBox 3">
+            <a:extLst>
+              <a:ext uri="{FF2B5EF4-FFF2-40B4-BE49-F238E27FC236}">
+                <a16:creationId xmlns:a16="http://schemas.microsoft.com/office/drawing/2014/main" id="{96EA99AF-F2D6-7EAE-06D6-98CF770AE284}"/>
+              </a:ext>
+            </a:extLst>
+          </p:cNvPr>
+          <p:cNvSpPr txBox="1"/>
+          <p:nvPr/>
+        </p:nvSpPr>
+        <p:spPr>
+          <a:xfrm>
+            <a:off x="6886833" y="3880018"/>
+            <a:ext cx="2160528" cy="523220"/>
+          </a:xfrm>
+          <a:prstGeom prst="rect">
+            <a:avLst/>
+          </a:prstGeom>
+          <a:noFill/>
+        </p:spPr>
+        <p:txBody>
+          <a:bodyPr wrap="none" rtlCol="0">
+            <a:spAutoFit/>
+          </a:bodyPr>
+          <a:lstStyle/>
+          <a:p>
+            <a:r>
+              <a:rPr lang="en-US" sz="2800" dirty="0"/>
+              <a:t>version 1.0.2</a:t>
+            </a:r>
+          </a:p>
+        </p:txBody>
+      </p:sp>
+    </p:spTree>
+    <p:extLst>
+      <p:ext uri="{BB962C8B-B14F-4D97-AF65-F5344CB8AC3E}">
+        <p14:creationId xmlns:p14="http://schemas.microsoft.com/office/powerpoint/2010/main" val="1171482858"/>
       </p:ext>
     </p:extLst>
   </p:cSld>

--- a/res/powerpointStuff.pptx
+++ b/res/powerpointStuff.pptx
@@ -5913,41 +5913,6 @@
           </a:prstGeom>
         </p:spPr>
       </p:pic>
-      <p:sp>
-        <p:nvSpPr>
-          <p:cNvPr id="4" name="TextBox 3">
-            <a:extLst>
-              <a:ext uri="{FF2B5EF4-FFF2-40B4-BE49-F238E27FC236}">
-                <a16:creationId xmlns:a16="http://schemas.microsoft.com/office/drawing/2014/main" id="{96EA99AF-F2D6-7EAE-06D6-98CF770AE284}"/>
-              </a:ext>
-            </a:extLst>
-          </p:cNvPr>
-          <p:cNvSpPr txBox="1"/>
-          <p:nvPr/>
-        </p:nvSpPr>
-        <p:spPr>
-          <a:xfrm>
-            <a:off x="6886833" y="3880018"/>
-            <a:ext cx="2160528" cy="523220"/>
-          </a:xfrm>
-          <a:prstGeom prst="rect">
-            <a:avLst/>
-          </a:prstGeom>
-          <a:noFill/>
-        </p:spPr>
-        <p:txBody>
-          <a:bodyPr wrap="none" rtlCol="0">
-            <a:spAutoFit/>
-          </a:bodyPr>
-          <a:lstStyle/>
-          <a:p>
-            <a:r>
-              <a:rPr lang="en-US" sz="2800" dirty="0"/>
-              <a:t>version 1.0.2</a:t>
-            </a:r>
-          </a:p>
-        </p:txBody>
-      </p:sp>
     </p:spTree>
     <p:extLst>
       <p:ext uri="{BB962C8B-B14F-4D97-AF65-F5344CB8AC3E}">

--- a/res/powerpointStuff.pptx
+++ b/res/powerpointStuff.pptx
@@ -264,7 +264,7 @@
           <a:p>
             <a:fld id="{B421AC3D-027B-484B-A2F8-907A26DE9639}" type="datetimeFigureOut">
               <a:rPr lang="en-US" smtClean="0"/>
-              <a:t>5/8/24</a:t>
+              <a:t>6/17/24</a:t>
             </a:fld>
             <a:endParaRPr lang="en-US"/>
           </a:p>
@@ -464,7 +464,7 @@
           <a:p>
             <a:fld id="{B421AC3D-027B-484B-A2F8-907A26DE9639}" type="datetimeFigureOut">
               <a:rPr lang="en-US" smtClean="0"/>
-              <a:t>5/8/24</a:t>
+              <a:t>6/17/24</a:t>
             </a:fld>
             <a:endParaRPr lang="en-US"/>
           </a:p>
@@ -674,7 +674,7 @@
           <a:p>
             <a:fld id="{B421AC3D-027B-484B-A2F8-907A26DE9639}" type="datetimeFigureOut">
               <a:rPr lang="en-US" smtClean="0"/>
-              <a:t>5/8/24</a:t>
+              <a:t>6/17/24</a:t>
             </a:fld>
             <a:endParaRPr lang="en-US"/>
           </a:p>
@@ -874,7 +874,7 @@
           <a:p>
             <a:fld id="{B421AC3D-027B-484B-A2F8-907A26DE9639}" type="datetimeFigureOut">
               <a:rPr lang="en-US" smtClean="0"/>
-              <a:t>5/8/24</a:t>
+              <a:t>6/17/24</a:t>
             </a:fld>
             <a:endParaRPr lang="en-US"/>
           </a:p>
@@ -1150,7 +1150,7 @@
           <a:p>
             <a:fld id="{B421AC3D-027B-484B-A2F8-907A26DE9639}" type="datetimeFigureOut">
               <a:rPr lang="en-US" smtClean="0"/>
-              <a:t>5/8/24</a:t>
+              <a:t>6/17/24</a:t>
             </a:fld>
             <a:endParaRPr lang="en-US"/>
           </a:p>
@@ -1418,7 +1418,7 @@
           <a:p>
             <a:fld id="{B421AC3D-027B-484B-A2F8-907A26DE9639}" type="datetimeFigureOut">
               <a:rPr lang="en-US" smtClean="0"/>
-              <a:t>5/8/24</a:t>
+              <a:t>6/17/24</a:t>
             </a:fld>
             <a:endParaRPr lang="en-US"/>
           </a:p>
@@ -1833,7 +1833,7 @@
           <a:p>
             <a:fld id="{B421AC3D-027B-484B-A2F8-907A26DE9639}" type="datetimeFigureOut">
               <a:rPr lang="en-US" smtClean="0"/>
-              <a:t>5/8/24</a:t>
+              <a:t>6/17/24</a:t>
             </a:fld>
             <a:endParaRPr lang="en-US"/>
           </a:p>
@@ -1975,7 +1975,7 @@
           <a:p>
             <a:fld id="{B421AC3D-027B-484B-A2F8-907A26DE9639}" type="datetimeFigureOut">
               <a:rPr lang="en-US" smtClean="0"/>
-              <a:t>5/8/24</a:t>
+              <a:t>6/17/24</a:t>
             </a:fld>
             <a:endParaRPr lang="en-US"/>
           </a:p>
@@ -2088,7 +2088,7 @@
           <a:p>
             <a:fld id="{B421AC3D-027B-484B-A2F8-907A26DE9639}" type="datetimeFigureOut">
               <a:rPr lang="en-US" smtClean="0"/>
-              <a:t>5/8/24</a:t>
+              <a:t>6/17/24</a:t>
             </a:fld>
             <a:endParaRPr lang="en-US"/>
           </a:p>
@@ -2401,7 +2401,7 @@
           <a:p>
             <a:fld id="{B421AC3D-027B-484B-A2F8-907A26DE9639}" type="datetimeFigureOut">
               <a:rPr lang="en-US" smtClean="0"/>
-              <a:t>5/8/24</a:t>
+              <a:t>6/17/24</a:t>
             </a:fld>
             <a:endParaRPr lang="en-US"/>
           </a:p>
@@ -2690,7 +2690,7 @@
           <a:p>
             <a:fld id="{B421AC3D-027B-484B-A2F8-907A26DE9639}" type="datetimeFigureOut">
               <a:rPr lang="en-US" smtClean="0"/>
-              <a:t>5/8/24</a:t>
+              <a:t>6/17/24</a:t>
             </a:fld>
             <a:endParaRPr lang="en-US"/>
           </a:p>
@@ -2933,7 +2933,7 @@
           <a:p>
             <a:fld id="{B421AC3D-027B-484B-A2F8-907A26DE9639}" type="datetimeFigureOut">
               <a:rPr lang="en-US" smtClean="0"/>
-              <a:t>5/8/24</a:t>
+              <a:t>6/17/24</a:t>
             </a:fld>
             <a:endParaRPr lang="en-US"/>
           </a:p>
@@ -5847,10 +5847,7 @@
             </a:avLst>
           </a:prstGeom>
           <a:solidFill>
-            <a:schemeClr val="accent2">
-              <a:lumMod val="20000"/>
-              <a:lumOff val="80000"/>
-            </a:schemeClr>
+            <a:schemeClr val="bg2"/>
           </a:solidFill>
           <a:ln w="38100">
             <a:solidFill>

--- a/res/powerpointStuff.pptx
+++ b/res/powerpointStuff.pptx
@@ -9,6 +9,7 @@
     <p:sldId id="257" r:id="rId3"/>
     <p:sldId id="258" r:id="rId4"/>
     <p:sldId id="259" r:id="rId5"/>
+    <p:sldId id="260" r:id="rId6"/>
   </p:sldIdLst>
   <p:sldSz cx="12192000" cy="6858000"/>
   <p:notesSz cx="6858000" cy="9144000"/>
@@ -5914,6 +5915,297 @@
     <p:extLst>
       <p:ext uri="{BB962C8B-B14F-4D97-AF65-F5344CB8AC3E}">
         <p14:creationId xmlns:p14="http://schemas.microsoft.com/office/powerpoint/2010/main" val="1171482858"/>
+      </p:ext>
+    </p:extLst>
+  </p:cSld>
+  <p:clrMapOvr>
+    <a:masterClrMapping/>
+  </p:clrMapOvr>
+</p:sld>
+</file>
+
+<file path=ppt/slides/slide5.xml><?xml version="1.0" encoding="utf-8"?>
+<p:sld xmlns:a="http://schemas.openxmlformats.org/drawingml/2006/main" xmlns:r="http://schemas.openxmlformats.org/officeDocument/2006/relationships" xmlns:p="http://schemas.openxmlformats.org/presentationml/2006/main">
+  <p:cSld>
+    <p:bg>
+      <p:bgPr>
+        <a:solidFill>
+          <a:schemeClr val="bg1"/>
+        </a:solidFill>
+        <a:effectLst/>
+      </p:bgPr>
+    </p:bg>
+    <p:spTree>
+      <p:nvGrpSpPr>
+        <p:cNvPr id="1" name=""/>
+        <p:cNvGrpSpPr/>
+        <p:nvPr/>
+      </p:nvGrpSpPr>
+      <p:grpSpPr>
+        <a:xfrm>
+          <a:off x="0" y="0"/>
+          <a:ext cx="0" cy="0"/>
+          <a:chOff x="0" y="0"/>
+          <a:chExt cx="0" cy="0"/>
+        </a:xfrm>
+      </p:grpSpPr>
+      <p:grpSp>
+        <p:nvGrpSpPr>
+          <p:cNvPr id="34" name="Group 33">
+            <a:extLst>
+              <a:ext uri="{FF2B5EF4-FFF2-40B4-BE49-F238E27FC236}">
+                <a16:creationId xmlns:a16="http://schemas.microsoft.com/office/drawing/2014/main" id="{BC98EE78-B650-F4CD-862F-50E83298C12C}"/>
+              </a:ext>
+            </a:extLst>
+          </p:cNvPr>
+          <p:cNvGrpSpPr/>
+          <p:nvPr/>
+        </p:nvGrpSpPr>
+        <p:grpSpPr>
+          <a:xfrm>
+            <a:off x="726830" y="75490"/>
+            <a:ext cx="11195538" cy="6718742"/>
+            <a:chOff x="808892" y="104089"/>
+            <a:chExt cx="11195538" cy="6718742"/>
+          </a:xfrm>
+        </p:grpSpPr>
+        <p:pic>
+          <p:nvPicPr>
+            <p:cNvPr id="15" name="Picture 14" descr="A screen shot of a graph&#10;&#10;Description automatically generated">
+              <a:extLst>
+                <a:ext uri="{FF2B5EF4-FFF2-40B4-BE49-F238E27FC236}">
+                  <a16:creationId xmlns:a16="http://schemas.microsoft.com/office/drawing/2014/main" id="{AA9BC1AF-2E2C-21F0-04C0-0B389B1BE289}"/>
+                </a:ext>
+              </a:extLst>
+            </p:cNvPr>
+            <p:cNvPicPr>
+              <a:picLocks noChangeAspect="1"/>
+            </p:cNvPicPr>
+            <p:nvPr/>
+          </p:nvPicPr>
+          <p:blipFill>
+            <a:blip r:embed="rId2"/>
+            <a:stretch>
+              <a:fillRect/>
+            </a:stretch>
+          </p:blipFill>
+          <p:spPr>
+            <a:xfrm>
+              <a:off x="8360487" y="3497920"/>
+              <a:ext cx="3643943" cy="3324911"/>
+            </a:xfrm>
+            <a:prstGeom prst="rect">
+              <a:avLst/>
+            </a:prstGeom>
+          </p:spPr>
+        </p:pic>
+        <p:pic>
+          <p:nvPicPr>
+            <p:cNvPr id="17" name="Picture 16" descr="A screenshot of a graph&#10;&#10;Description automatically generated">
+              <a:extLst>
+                <a:ext uri="{FF2B5EF4-FFF2-40B4-BE49-F238E27FC236}">
+                  <a16:creationId xmlns:a16="http://schemas.microsoft.com/office/drawing/2014/main" id="{F8CFF45D-7C78-3246-DC41-9144226C8D4B}"/>
+                </a:ext>
+              </a:extLst>
+            </p:cNvPr>
+            <p:cNvPicPr>
+              <a:picLocks noChangeAspect="1"/>
+            </p:cNvPicPr>
+            <p:nvPr/>
+          </p:nvPicPr>
+          <p:blipFill>
+            <a:blip r:embed="rId3"/>
+            <a:stretch>
+              <a:fillRect/>
+            </a:stretch>
+          </p:blipFill>
+          <p:spPr>
+            <a:xfrm>
+              <a:off x="4584689" y="3497920"/>
+              <a:ext cx="3643943" cy="3324911"/>
+            </a:xfrm>
+            <a:prstGeom prst="rect">
+              <a:avLst/>
+            </a:prstGeom>
+          </p:spPr>
+        </p:pic>
+        <p:pic>
+          <p:nvPicPr>
+            <p:cNvPr id="21" name="Picture 20" descr="A screenshot of a computer&#10;&#10;Description automatically generated">
+              <a:extLst>
+                <a:ext uri="{FF2B5EF4-FFF2-40B4-BE49-F238E27FC236}">
+                  <a16:creationId xmlns:a16="http://schemas.microsoft.com/office/drawing/2014/main" id="{C6172E85-7CC9-FF49-88B3-86887C535203}"/>
+                </a:ext>
+              </a:extLst>
+            </p:cNvPr>
+            <p:cNvPicPr>
+              <a:picLocks noChangeAspect="1"/>
+            </p:cNvPicPr>
+            <p:nvPr/>
+          </p:nvPicPr>
+          <p:blipFill>
+            <a:blip r:embed="rId4"/>
+            <a:stretch>
+              <a:fillRect/>
+            </a:stretch>
+          </p:blipFill>
+          <p:spPr>
+            <a:xfrm>
+              <a:off x="808892" y="3497920"/>
+              <a:ext cx="3643943" cy="3324911"/>
+            </a:xfrm>
+            <a:prstGeom prst="rect">
+              <a:avLst/>
+            </a:prstGeom>
+          </p:spPr>
+        </p:pic>
+        <p:pic>
+          <p:nvPicPr>
+            <p:cNvPr id="25" name="Picture 24" descr="A screen shot of a graph&#10;&#10;Description automatically generated">
+              <a:extLst>
+                <a:ext uri="{FF2B5EF4-FFF2-40B4-BE49-F238E27FC236}">
+                  <a16:creationId xmlns:a16="http://schemas.microsoft.com/office/drawing/2014/main" id="{D41A22AA-84E3-BBDC-32EC-F9F6EADA8238}"/>
+                </a:ext>
+              </a:extLst>
+            </p:cNvPr>
+            <p:cNvPicPr>
+              <a:picLocks noChangeAspect="1"/>
+            </p:cNvPicPr>
+            <p:nvPr/>
+          </p:nvPicPr>
+          <p:blipFill>
+            <a:blip r:embed="rId5"/>
+            <a:stretch>
+              <a:fillRect/>
+            </a:stretch>
+          </p:blipFill>
+          <p:spPr>
+            <a:xfrm>
+              <a:off x="8360486" y="104089"/>
+              <a:ext cx="3643943" cy="3324911"/>
+            </a:xfrm>
+            <a:prstGeom prst="rect">
+              <a:avLst/>
+            </a:prstGeom>
+          </p:spPr>
+        </p:pic>
+        <p:pic>
+          <p:nvPicPr>
+            <p:cNvPr id="29" name="Picture 28" descr="A screen shot of a graph&#10;&#10;Description automatically generated">
+              <a:extLst>
+                <a:ext uri="{FF2B5EF4-FFF2-40B4-BE49-F238E27FC236}">
+                  <a16:creationId xmlns:a16="http://schemas.microsoft.com/office/drawing/2014/main" id="{E6FF95EA-6F7C-1ABB-EFF5-7F0631DE498A}"/>
+                </a:ext>
+              </a:extLst>
+            </p:cNvPr>
+            <p:cNvPicPr>
+              <a:picLocks noChangeAspect="1"/>
+            </p:cNvPicPr>
+            <p:nvPr/>
+          </p:nvPicPr>
+          <p:blipFill>
+            <a:blip r:embed="rId6"/>
+            <a:stretch>
+              <a:fillRect/>
+            </a:stretch>
+          </p:blipFill>
+          <p:spPr>
+            <a:xfrm>
+              <a:off x="4584689" y="104089"/>
+              <a:ext cx="3643943" cy="3324911"/>
+            </a:xfrm>
+            <a:prstGeom prst="rect">
+              <a:avLst/>
+            </a:prstGeom>
+          </p:spPr>
+        </p:pic>
+        <p:pic>
+          <p:nvPicPr>
+            <p:cNvPr id="33" name="Picture 32" descr="A screenshot of a computer screen&#10;&#10;Description automatically generated">
+              <a:extLst>
+                <a:ext uri="{FF2B5EF4-FFF2-40B4-BE49-F238E27FC236}">
+                  <a16:creationId xmlns:a16="http://schemas.microsoft.com/office/drawing/2014/main" id="{A4AF575A-1A1A-D5E8-4FAD-180F263CA1BF}"/>
+                </a:ext>
+              </a:extLst>
+            </p:cNvPr>
+            <p:cNvPicPr>
+              <a:picLocks noChangeAspect="1"/>
+            </p:cNvPicPr>
+            <p:nvPr/>
+          </p:nvPicPr>
+          <p:blipFill>
+            <a:blip r:embed="rId7"/>
+            <a:stretch>
+              <a:fillRect/>
+            </a:stretch>
+          </p:blipFill>
+          <p:spPr>
+            <a:xfrm>
+              <a:off x="808892" y="104089"/>
+              <a:ext cx="3643943" cy="3324911"/>
+            </a:xfrm>
+            <a:prstGeom prst="rect">
+              <a:avLst/>
+            </a:prstGeom>
+          </p:spPr>
+        </p:pic>
+      </p:grpSp>
+      <p:sp>
+        <p:nvSpPr>
+          <p:cNvPr id="35" name="Rectangle 34">
+            <a:extLst>
+              <a:ext uri="{FF2B5EF4-FFF2-40B4-BE49-F238E27FC236}">
+                <a16:creationId xmlns:a16="http://schemas.microsoft.com/office/drawing/2014/main" id="{827B9175-AA81-05E5-278F-76E3172563DD}"/>
+              </a:ext>
+            </a:extLst>
+          </p:cNvPr>
+          <p:cNvSpPr/>
+          <p:nvPr/>
+        </p:nvSpPr>
+        <p:spPr>
+          <a:xfrm>
+            <a:off x="679938" y="16874"/>
+            <a:ext cx="11289321" cy="6841125"/>
+          </a:xfrm>
+          <a:prstGeom prst="rect">
+            <a:avLst/>
+          </a:prstGeom>
+          <a:noFill/>
+          <a:ln w="28575">
+            <a:solidFill>
+              <a:schemeClr val="tx1"/>
+            </a:solidFill>
+          </a:ln>
+        </p:spPr>
+        <p:style>
+          <a:lnRef idx="2">
+            <a:schemeClr val="accent1">
+              <a:shade val="15000"/>
+            </a:schemeClr>
+          </a:lnRef>
+          <a:fillRef idx="1">
+            <a:schemeClr val="accent1"/>
+          </a:fillRef>
+          <a:effectRef idx="0">
+            <a:schemeClr val="accent1"/>
+          </a:effectRef>
+          <a:fontRef idx="minor">
+            <a:schemeClr val="lt1"/>
+          </a:fontRef>
+        </p:style>
+        <p:txBody>
+          <a:bodyPr rtlCol="0" anchor="ctr"/>
+          <a:lstStyle/>
+          <a:p>
+            <a:pPr algn="ctr"/>
+            <a:endParaRPr lang="en-US"/>
+          </a:p>
+        </p:txBody>
+      </p:sp>
+    </p:spTree>
+    <p:extLst>
+      <p:ext uri="{BB962C8B-B14F-4D97-AF65-F5344CB8AC3E}">
+        <p14:creationId xmlns:p14="http://schemas.microsoft.com/office/powerpoint/2010/main" val="2202291824"/>
       </p:ext>
     </p:extLst>
   </p:cSld>

--- a/res/powerpointStuff.pptx
+++ b/res/powerpointStuff.pptx
@@ -10,6 +10,11 @@
     <p:sldId id="258" r:id="rId4"/>
     <p:sldId id="259" r:id="rId5"/>
     <p:sldId id="260" r:id="rId6"/>
+    <p:sldId id="261" r:id="rId7"/>
+    <p:sldId id="262" r:id="rId8"/>
+    <p:sldId id="263" r:id="rId9"/>
+    <p:sldId id="264" r:id="rId10"/>
+    <p:sldId id="265" r:id="rId11"/>
   </p:sldIdLst>
   <p:sldSz cx="12192000" cy="6858000"/>
   <p:notesSz cx="6858000" cy="9144000"/>
@@ -265,7 +270,7 @@
           <a:p>
             <a:fld id="{B421AC3D-027B-484B-A2F8-907A26DE9639}" type="datetimeFigureOut">
               <a:rPr lang="en-US" smtClean="0"/>
-              <a:t>6/17/24</a:t>
+              <a:t>4/1/25</a:t>
             </a:fld>
             <a:endParaRPr lang="en-US"/>
           </a:p>
@@ -465,7 +470,7 @@
           <a:p>
             <a:fld id="{B421AC3D-027B-484B-A2F8-907A26DE9639}" type="datetimeFigureOut">
               <a:rPr lang="en-US" smtClean="0"/>
-              <a:t>6/17/24</a:t>
+              <a:t>4/1/25</a:t>
             </a:fld>
             <a:endParaRPr lang="en-US"/>
           </a:p>
@@ -675,7 +680,7 @@
           <a:p>
             <a:fld id="{B421AC3D-027B-484B-A2F8-907A26DE9639}" type="datetimeFigureOut">
               <a:rPr lang="en-US" smtClean="0"/>
-              <a:t>6/17/24</a:t>
+              <a:t>4/1/25</a:t>
             </a:fld>
             <a:endParaRPr lang="en-US"/>
           </a:p>
@@ -875,7 +880,7 @@
           <a:p>
             <a:fld id="{B421AC3D-027B-484B-A2F8-907A26DE9639}" type="datetimeFigureOut">
               <a:rPr lang="en-US" smtClean="0"/>
-              <a:t>6/17/24</a:t>
+              <a:t>4/1/25</a:t>
             </a:fld>
             <a:endParaRPr lang="en-US"/>
           </a:p>
@@ -1151,7 +1156,7 @@
           <a:p>
             <a:fld id="{B421AC3D-027B-484B-A2F8-907A26DE9639}" type="datetimeFigureOut">
               <a:rPr lang="en-US" smtClean="0"/>
-              <a:t>6/17/24</a:t>
+              <a:t>4/1/25</a:t>
             </a:fld>
             <a:endParaRPr lang="en-US"/>
           </a:p>
@@ -1419,7 +1424,7 @@
           <a:p>
             <a:fld id="{B421AC3D-027B-484B-A2F8-907A26DE9639}" type="datetimeFigureOut">
               <a:rPr lang="en-US" smtClean="0"/>
-              <a:t>6/17/24</a:t>
+              <a:t>4/1/25</a:t>
             </a:fld>
             <a:endParaRPr lang="en-US"/>
           </a:p>
@@ -1834,7 +1839,7 @@
           <a:p>
             <a:fld id="{B421AC3D-027B-484B-A2F8-907A26DE9639}" type="datetimeFigureOut">
               <a:rPr lang="en-US" smtClean="0"/>
-              <a:t>6/17/24</a:t>
+              <a:t>4/1/25</a:t>
             </a:fld>
             <a:endParaRPr lang="en-US"/>
           </a:p>
@@ -1976,7 +1981,7 @@
           <a:p>
             <a:fld id="{B421AC3D-027B-484B-A2F8-907A26DE9639}" type="datetimeFigureOut">
               <a:rPr lang="en-US" smtClean="0"/>
-              <a:t>6/17/24</a:t>
+              <a:t>4/1/25</a:t>
             </a:fld>
             <a:endParaRPr lang="en-US"/>
           </a:p>
@@ -2089,7 +2094,7 @@
           <a:p>
             <a:fld id="{B421AC3D-027B-484B-A2F8-907A26DE9639}" type="datetimeFigureOut">
               <a:rPr lang="en-US" smtClean="0"/>
-              <a:t>6/17/24</a:t>
+              <a:t>4/1/25</a:t>
             </a:fld>
             <a:endParaRPr lang="en-US"/>
           </a:p>
@@ -2402,7 +2407,7 @@
           <a:p>
             <a:fld id="{B421AC3D-027B-484B-A2F8-907A26DE9639}" type="datetimeFigureOut">
               <a:rPr lang="en-US" smtClean="0"/>
-              <a:t>6/17/24</a:t>
+              <a:t>4/1/25</a:t>
             </a:fld>
             <a:endParaRPr lang="en-US"/>
           </a:p>
@@ -2691,7 +2696,7 @@
           <a:p>
             <a:fld id="{B421AC3D-027B-484B-A2F8-907A26DE9639}" type="datetimeFigureOut">
               <a:rPr lang="en-US" smtClean="0"/>
-              <a:t>6/17/24</a:t>
+              <a:t>4/1/25</a:t>
             </a:fld>
             <a:endParaRPr lang="en-US"/>
           </a:p>
@@ -2934,7 +2939,7 @@
           <a:p>
             <a:fld id="{B421AC3D-027B-484B-A2F8-907A26DE9639}" type="datetimeFigureOut">
               <a:rPr lang="en-US" smtClean="0"/>
-              <a:t>6/17/24</a:t>
+              <a:t>4/1/25</a:t>
             </a:fld>
             <a:endParaRPr lang="en-US"/>
           </a:p>
@@ -3590,6 +3595,42 @@
 </p:sld>
 </file>
 
+<file path=ppt/slides/slide10.xml><?xml version="1.0" encoding="utf-8"?>
+<p:sld xmlns:a="http://schemas.openxmlformats.org/drawingml/2006/main" xmlns:r="http://schemas.openxmlformats.org/officeDocument/2006/relationships" xmlns:p="http://schemas.openxmlformats.org/presentationml/2006/main">
+  <p:cSld>
+    <p:spTree>
+      <p:nvGrpSpPr>
+        <p:cNvPr id="1" name="">
+          <a:extLst>
+            <a:ext uri="{FF2B5EF4-FFF2-40B4-BE49-F238E27FC236}">
+              <a16:creationId xmlns:a16="http://schemas.microsoft.com/office/drawing/2014/main" id="{A9426445-DBC5-D163-0FA5-76FAE30170FB}"/>
+            </a:ext>
+          </a:extLst>
+        </p:cNvPr>
+        <p:cNvGrpSpPr/>
+        <p:nvPr/>
+      </p:nvGrpSpPr>
+      <p:grpSpPr>
+        <a:xfrm>
+          <a:off x="0" y="0"/>
+          <a:ext cx="0" cy="0"/>
+          <a:chOff x="0" y="0"/>
+          <a:chExt cx="0" cy="0"/>
+        </a:xfrm>
+      </p:grpSpPr>
+    </p:spTree>
+    <p:extLst>
+      <p:ext uri="{BB962C8B-B14F-4D97-AF65-F5344CB8AC3E}">
+        <p14:creationId xmlns:p14="http://schemas.microsoft.com/office/powerpoint/2010/main" val="3775737285"/>
+      </p:ext>
+    </p:extLst>
+  </p:cSld>
+  <p:clrMapOvr>
+    <a:masterClrMapping/>
+  </p:clrMapOvr>
+</p:sld>
+</file>
+
 <file path=ppt/slides/slide2.xml><?xml version="1.0" encoding="utf-8"?>
 <p:sld xmlns:a="http://schemas.openxmlformats.org/drawingml/2006/main" xmlns:r="http://schemas.openxmlformats.org/officeDocument/2006/relationships" xmlns:p="http://schemas.openxmlformats.org/presentationml/2006/main">
   <p:cSld>
@@ -5762,10 +5803,10 @@
       </p:grpSpPr>
       <p:pic>
         <p:nvPicPr>
-          <p:cNvPr id="3" name="Picture 2" descr="A screenshot of a computer&#10;&#10;Description automatically generated">
-            <a:extLst>
-              <a:ext uri="{FF2B5EF4-FFF2-40B4-BE49-F238E27FC236}">
-                <a16:creationId xmlns:a16="http://schemas.microsoft.com/office/drawing/2014/main" id="{68639F52-CACF-DFA8-481C-18F5DD6079D6}"/>
+          <p:cNvPr id="4" name="Picture 3" descr="A screenshot of a computer&#10;&#10;AI-generated content may be incorrect.">
+            <a:extLst>
+              <a:ext uri="{FF2B5EF4-FFF2-40B4-BE49-F238E27FC236}">
+                <a16:creationId xmlns:a16="http://schemas.microsoft.com/office/drawing/2014/main" id="{83807B22-957A-96FA-DC54-7AF31820F168}"/>
               </a:ext>
             </a:extLst>
           </p:cNvPr>
@@ -5782,19 +5823,61 @@
         </p:blipFill>
         <p:spPr>
           <a:xfrm>
-            <a:off x="1531004" y="164757"/>
-            <a:ext cx="9218049" cy="6557319"/>
+            <a:off x="1104413" y="23661"/>
+            <a:ext cx="9577441" cy="6817713"/>
           </a:xfrm>
           <a:prstGeom prst="rect">
             <a:avLst/>
           </a:prstGeom>
-          <a:ln w="28575">
-            <a:solidFill>
-              <a:schemeClr val="tx1"/>
-            </a:solidFill>
-          </a:ln>
         </p:spPr>
       </p:pic>
+      <p:sp>
+        <p:nvSpPr>
+          <p:cNvPr id="5" name="Rectangle 4">
+            <a:extLst>
+              <a:ext uri="{FF2B5EF4-FFF2-40B4-BE49-F238E27FC236}">
+                <a16:creationId xmlns:a16="http://schemas.microsoft.com/office/drawing/2014/main" id="{B9D81758-6318-76D5-BB2D-3F7A9AE95D94}"/>
+              </a:ext>
+            </a:extLst>
+          </p:cNvPr>
+          <p:cNvSpPr/>
+          <p:nvPr/>
+        </p:nvSpPr>
+        <p:spPr>
+          <a:xfrm>
+            <a:off x="1104412" y="23660"/>
+            <a:ext cx="9577441" cy="6817714"/>
+          </a:xfrm>
+          <a:prstGeom prst="rect">
+            <a:avLst/>
+          </a:prstGeom>
+          <a:noFill/>
+        </p:spPr>
+        <p:style>
+          <a:lnRef idx="2">
+            <a:schemeClr val="accent1">
+              <a:shade val="15000"/>
+            </a:schemeClr>
+          </a:lnRef>
+          <a:fillRef idx="1">
+            <a:schemeClr val="accent1"/>
+          </a:fillRef>
+          <a:effectRef idx="0">
+            <a:schemeClr val="accent1"/>
+          </a:effectRef>
+          <a:fontRef idx="minor">
+            <a:schemeClr val="lt1"/>
+          </a:fontRef>
+        </p:style>
+        <p:txBody>
+          <a:bodyPr rtlCol="0" anchor="ctr"/>
+          <a:lstStyle/>
+          <a:p>
+            <a:pPr algn="ctr"/>
+            <a:endParaRPr lang="en-US"/>
+          </a:p>
+        </p:txBody>
+      </p:sp>
     </p:spTree>
     <p:extLst>
       <p:ext uri="{BB962C8B-B14F-4D97-AF65-F5344CB8AC3E}">
@@ -5927,14 +6010,6 @@
 <file path=ppt/slides/slide5.xml><?xml version="1.0" encoding="utf-8"?>
 <p:sld xmlns:a="http://schemas.openxmlformats.org/drawingml/2006/main" xmlns:r="http://schemas.openxmlformats.org/officeDocument/2006/relationships" xmlns:p="http://schemas.openxmlformats.org/presentationml/2006/main">
   <p:cSld>
-    <p:bg>
-      <p:bgPr>
-        <a:solidFill>
-          <a:schemeClr val="bg1"/>
-        </a:solidFill>
-        <a:effectLst/>
-      </p:bgPr>
-    </p:bg>
     <p:spTree>
       <p:nvGrpSpPr>
         <p:cNvPr id="1" name=""/>
@@ -5949,213 +6024,108 @@
           <a:chExt cx="0" cy="0"/>
         </a:xfrm>
       </p:grpSpPr>
-      <p:grpSp>
-        <p:nvGrpSpPr>
-          <p:cNvPr id="34" name="Group 33">
-            <a:extLst>
-              <a:ext uri="{FF2B5EF4-FFF2-40B4-BE49-F238E27FC236}">
-                <a16:creationId xmlns:a16="http://schemas.microsoft.com/office/drawing/2014/main" id="{BC98EE78-B650-F4CD-862F-50E83298C12C}"/>
-              </a:ext>
-            </a:extLst>
-          </p:cNvPr>
-          <p:cNvGrpSpPr/>
+      <p:pic>
+        <p:nvPicPr>
+          <p:cNvPr id="3" name="Picture 2" descr="A screenshot of a computer&#10;&#10;AI-generated content may be incorrect.">
+            <a:extLst>
+              <a:ext uri="{FF2B5EF4-FFF2-40B4-BE49-F238E27FC236}">
+                <a16:creationId xmlns:a16="http://schemas.microsoft.com/office/drawing/2014/main" id="{A080BA51-11B0-7F0F-4638-EA859CEC7624}"/>
+              </a:ext>
+            </a:extLst>
+          </p:cNvPr>
+          <p:cNvPicPr>
+            <a:picLocks noChangeAspect="1"/>
+          </p:cNvPicPr>
           <p:nvPr/>
-        </p:nvGrpSpPr>
-        <p:grpSpPr>
+        </p:nvPicPr>
+        <p:blipFill>
+          <a:blip r:embed="rId2"/>
+          <a:stretch>
+            <a:fillRect/>
+          </a:stretch>
+        </p:blipFill>
+        <p:spPr>
           <a:xfrm>
-            <a:off x="726830" y="75490"/>
-            <a:ext cx="11195538" cy="6718742"/>
-            <a:chOff x="808892" y="104089"/>
-            <a:chExt cx="11195538" cy="6718742"/>
+            <a:off x="-1" y="223753"/>
+            <a:ext cx="12206499" cy="6418116"/>
           </a:xfrm>
-        </p:grpSpPr>
-        <p:pic>
-          <p:nvPicPr>
-            <p:cNvPr id="15" name="Picture 14" descr="A screen shot of a graph&#10;&#10;Description automatically generated">
-              <a:extLst>
-                <a:ext uri="{FF2B5EF4-FFF2-40B4-BE49-F238E27FC236}">
-                  <a16:creationId xmlns:a16="http://schemas.microsoft.com/office/drawing/2014/main" id="{AA9BC1AF-2E2C-21F0-04C0-0B389B1BE289}"/>
-                </a:ext>
-              </a:extLst>
-            </p:cNvPr>
-            <p:cNvPicPr>
-              <a:picLocks noChangeAspect="1"/>
-            </p:cNvPicPr>
-            <p:nvPr/>
-          </p:nvPicPr>
-          <p:blipFill>
-            <a:blip r:embed="rId2"/>
-            <a:stretch>
-              <a:fillRect/>
-            </a:stretch>
-          </p:blipFill>
-          <p:spPr>
-            <a:xfrm>
-              <a:off x="8360487" y="3497920"/>
-              <a:ext cx="3643943" cy="3324911"/>
-            </a:xfrm>
-            <a:prstGeom prst="rect">
-              <a:avLst/>
-            </a:prstGeom>
-          </p:spPr>
-        </p:pic>
-        <p:pic>
-          <p:nvPicPr>
-            <p:cNvPr id="17" name="Picture 16" descr="A screenshot of a graph&#10;&#10;Description automatically generated">
-              <a:extLst>
-                <a:ext uri="{FF2B5EF4-FFF2-40B4-BE49-F238E27FC236}">
-                  <a16:creationId xmlns:a16="http://schemas.microsoft.com/office/drawing/2014/main" id="{F8CFF45D-7C78-3246-DC41-9144226C8D4B}"/>
-                </a:ext>
-              </a:extLst>
-            </p:cNvPr>
-            <p:cNvPicPr>
-              <a:picLocks noChangeAspect="1"/>
-            </p:cNvPicPr>
-            <p:nvPr/>
-          </p:nvPicPr>
-          <p:blipFill>
-            <a:blip r:embed="rId3"/>
-            <a:stretch>
-              <a:fillRect/>
-            </a:stretch>
-          </p:blipFill>
-          <p:spPr>
-            <a:xfrm>
-              <a:off x="4584689" y="3497920"/>
-              <a:ext cx="3643943" cy="3324911"/>
-            </a:xfrm>
-            <a:prstGeom prst="rect">
-              <a:avLst/>
-            </a:prstGeom>
-          </p:spPr>
-        </p:pic>
-        <p:pic>
-          <p:nvPicPr>
-            <p:cNvPr id="21" name="Picture 20" descr="A screenshot of a computer&#10;&#10;Description automatically generated">
-              <a:extLst>
-                <a:ext uri="{FF2B5EF4-FFF2-40B4-BE49-F238E27FC236}">
-                  <a16:creationId xmlns:a16="http://schemas.microsoft.com/office/drawing/2014/main" id="{C6172E85-7CC9-FF49-88B3-86887C535203}"/>
-                </a:ext>
-              </a:extLst>
-            </p:cNvPr>
-            <p:cNvPicPr>
-              <a:picLocks noChangeAspect="1"/>
-            </p:cNvPicPr>
-            <p:nvPr/>
-          </p:nvPicPr>
-          <p:blipFill>
-            <a:blip r:embed="rId4"/>
-            <a:stretch>
-              <a:fillRect/>
-            </a:stretch>
-          </p:blipFill>
-          <p:spPr>
-            <a:xfrm>
-              <a:off x="808892" y="3497920"/>
-              <a:ext cx="3643943" cy="3324911"/>
-            </a:xfrm>
-            <a:prstGeom prst="rect">
-              <a:avLst/>
-            </a:prstGeom>
-          </p:spPr>
-        </p:pic>
-        <p:pic>
-          <p:nvPicPr>
-            <p:cNvPr id="25" name="Picture 24" descr="A screen shot of a graph&#10;&#10;Description automatically generated">
-              <a:extLst>
-                <a:ext uri="{FF2B5EF4-FFF2-40B4-BE49-F238E27FC236}">
-                  <a16:creationId xmlns:a16="http://schemas.microsoft.com/office/drawing/2014/main" id="{D41A22AA-84E3-BBDC-32EC-F9F6EADA8238}"/>
-                </a:ext>
-              </a:extLst>
-            </p:cNvPr>
-            <p:cNvPicPr>
-              <a:picLocks noChangeAspect="1"/>
-            </p:cNvPicPr>
-            <p:nvPr/>
-          </p:nvPicPr>
-          <p:blipFill>
-            <a:blip r:embed="rId5"/>
-            <a:stretch>
-              <a:fillRect/>
-            </a:stretch>
-          </p:blipFill>
-          <p:spPr>
-            <a:xfrm>
-              <a:off x="8360486" y="104089"/>
-              <a:ext cx="3643943" cy="3324911"/>
-            </a:xfrm>
-            <a:prstGeom prst="rect">
-              <a:avLst/>
-            </a:prstGeom>
-          </p:spPr>
-        </p:pic>
-        <p:pic>
-          <p:nvPicPr>
-            <p:cNvPr id="29" name="Picture 28" descr="A screen shot of a graph&#10;&#10;Description automatically generated">
-              <a:extLst>
-                <a:ext uri="{FF2B5EF4-FFF2-40B4-BE49-F238E27FC236}">
-                  <a16:creationId xmlns:a16="http://schemas.microsoft.com/office/drawing/2014/main" id="{E6FF95EA-6F7C-1ABB-EFF5-7F0631DE498A}"/>
-                </a:ext>
-              </a:extLst>
-            </p:cNvPr>
-            <p:cNvPicPr>
-              <a:picLocks noChangeAspect="1"/>
-            </p:cNvPicPr>
-            <p:nvPr/>
-          </p:nvPicPr>
-          <p:blipFill>
-            <a:blip r:embed="rId6"/>
-            <a:stretch>
-              <a:fillRect/>
-            </a:stretch>
-          </p:blipFill>
-          <p:spPr>
-            <a:xfrm>
-              <a:off x="4584689" y="104089"/>
-              <a:ext cx="3643943" cy="3324911"/>
-            </a:xfrm>
-            <a:prstGeom prst="rect">
-              <a:avLst/>
-            </a:prstGeom>
-          </p:spPr>
-        </p:pic>
-        <p:pic>
-          <p:nvPicPr>
-            <p:cNvPr id="33" name="Picture 32" descr="A screenshot of a computer screen&#10;&#10;Description automatically generated">
-              <a:extLst>
-                <a:ext uri="{FF2B5EF4-FFF2-40B4-BE49-F238E27FC236}">
-                  <a16:creationId xmlns:a16="http://schemas.microsoft.com/office/drawing/2014/main" id="{A4AF575A-1A1A-D5E8-4FAD-180F263CA1BF}"/>
-                </a:ext>
-              </a:extLst>
-            </p:cNvPr>
-            <p:cNvPicPr>
-              <a:picLocks noChangeAspect="1"/>
-            </p:cNvPicPr>
-            <p:nvPr/>
-          </p:nvPicPr>
-          <p:blipFill>
-            <a:blip r:embed="rId7"/>
-            <a:stretch>
-              <a:fillRect/>
-            </a:stretch>
-          </p:blipFill>
-          <p:spPr>
-            <a:xfrm>
-              <a:off x="808892" y="104089"/>
-              <a:ext cx="3643943" cy="3324911"/>
-            </a:xfrm>
-            <a:prstGeom prst="rect">
-              <a:avLst/>
-            </a:prstGeom>
-          </p:spPr>
-        </p:pic>
-      </p:grpSp>
-      <p:sp>
-        <p:nvSpPr>
-          <p:cNvPr id="35" name="Rectangle 34">
-            <a:extLst>
-              <a:ext uri="{FF2B5EF4-FFF2-40B4-BE49-F238E27FC236}">
-                <a16:creationId xmlns:a16="http://schemas.microsoft.com/office/drawing/2014/main" id="{827B9175-AA81-05E5-278F-76E3172563DD}"/>
+          <a:prstGeom prst="rect">
+            <a:avLst/>
+          </a:prstGeom>
+        </p:spPr>
+      </p:pic>
+    </p:spTree>
+    <p:extLst>
+      <p:ext uri="{BB962C8B-B14F-4D97-AF65-F5344CB8AC3E}">
+        <p14:creationId xmlns:p14="http://schemas.microsoft.com/office/powerpoint/2010/main" val="3095231341"/>
+      </p:ext>
+    </p:extLst>
+  </p:cSld>
+  <p:clrMapOvr>
+    <a:masterClrMapping/>
+  </p:clrMapOvr>
+</p:sld>
+</file>
+
+<file path=ppt/slides/slide6.xml><?xml version="1.0" encoding="utf-8"?>
+<p:sld xmlns:a="http://schemas.openxmlformats.org/drawingml/2006/main" xmlns:r="http://schemas.openxmlformats.org/officeDocument/2006/relationships" xmlns:p="http://schemas.openxmlformats.org/presentationml/2006/main">
+  <p:cSld>
+    <p:spTree>
+      <p:nvGrpSpPr>
+        <p:cNvPr id="1" name="">
+          <a:extLst>
+            <a:ext uri="{FF2B5EF4-FFF2-40B4-BE49-F238E27FC236}">
+              <a16:creationId xmlns:a16="http://schemas.microsoft.com/office/drawing/2014/main" id="{DDD6B153-8E5A-0979-7D1B-D9F173DEB856}"/>
+            </a:ext>
+          </a:extLst>
+        </p:cNvPr>
+        <p:cNvGrpSpPr/>
+        <p:nvPr/>
+      </p:nvGrpSpPr>
+      <p:grpSpPr>
+        <a:xfrm>
+          <a:off x="0" y="0"/>
+          <a:ext cx="0" cy="0"/>
+          <a:chOff x="0" y="0"/>
+          <a:chExt cx="0" cy="0"/>
+        </a:xfrm>
+      </p:grpSpPr>
+      <p:pic>
+        <p:nvPicPr>
+          <p:cNvPr id="3" name="Picture 2" descr="A screenshot of a computer&#10;&#10;AI-generated content may be incorrect.">
+            <a:extLst>
+              <a:ext uri="{FF2B5EF4-FFF2-40B4-BE49-F238E27FC236}">
+                <a16:creationId xmlns:a16="http://schemas.microsoft.com/office/drawing/2014/main" id="{9B2C06F6-4E4D-0662-7FA8-CCFA7436C1C0}"/>
+              </a:ext>
+            </a:extLst>
+          </p:cNvPr>
+          <p:cNvPicPr>
+            <a:picLocks noChangeAspect="1"/>
+          </p:cNvPicPr>
+          <p:nvPr/>
+        </p:nvPicPr>
+        <p:blipFill>
+          <a:blip r:embed="rId2"/>
+          <a:stretch>
+            <a:fillRect/>
+          </a:stretch>
+        </p:blipFill>
+        <p:spPr>
+          <a:xfrm>
+            <a:off x="114992" y="850589"/>
+            <a:ext cx="11962015" cy="5156822"/>
+          </a:xfrm>
+          <a:prstGeom prst="rect">
+            <a:avLst/>
+          </a:prstGeom>
+        </p:spPr>
+      </p:pic>
+      <p:sp>
+        <p:nvSpPr>
+          <p:cNvPr id="4" name="Rectangle 3">
+            <a:extLst>
+              <a:ext uri="{FF2B5EF4-FFF2-40B4-BE49-F238E27FC236}">
+                <a16:creationId xmlns:a16="http://schemas.microsoft.com/office/drawing/2014/main" id="{DEE2E484-08F5-46C9-C174-26F6CD48BFC9}"/>
               </a:ext>
             </a:extLst>
           </p:cNvPr>
@@ -6164,18 +6134,13 @@
         </p:nvSpPr>
         <p:spPr>
           <a:xfrm>
-            <a:off x="679938" y="16874"/>
-            <a:ext cx="11289321" cy="6841125"/>
+            <a:off x="133003" y="847899"/>
+            <a:ext cx="11944003" cy="5156822"/>
           </a:xfrm>
           <a:prstGeom prst="rect">
             <a:avLst/>
           </a:prstGeom>
           <a:noFill/>
-          <a:ln w="28575">
-            <a:solidFill>
-              <a:schemeClr val="tx1"/>
-            </a:solidFill>
-          </a:ln>
         </p:spPr>
         <p:style>
           <a:lnRef idx="2">
@@ -6205,7 +6170,192 @@
     </p:spTree>
     <p:extLst>
       <p:ext uri="{BB962C8B-B14F-4D97-AF65-F5344CB8AC3E}">
-        <p14:creationId xmlns:p14="http://schemas.microsoft.com/office/powerpoint/2010/main" val="2202291824"/>
+        <p14:creationId xmlns:p14="http://schemas.microsoft.com/office/powerpoint/2010/main" val="2710119714"/>
+      </p:ext>
+    </p:extLst>
+  </p:cSld>
+  <p:clrMapOvr>
+    <a:masterClrMapping/>
+  </p:clrMapOvr>
+</p:sld>
+</file>
+
+<file path=ppt/slides/slide7.xml><?xml version="1.0" encoding="utf-8"?>
+<p:sld xmlns:a="http://schemas.openxmlformats.org/drawingml/2006/main" xmlns:r="http://schemas.openxmlformats.org/officeDocument/2006/relationships" xmlns:p="http://schemas.openxmlformats.org/presentationml/2006/main">
+  <p:cSld>
+    <p:spTree>
+      <p:nvGrpSpPr>
+        <p:cNvPr id="1" name="">
+          <a:extLst>
+            <a:ext uri="{FF2B5EF4-FFF2-40B4-BE49-F238E27FC236}">
+              <a16:creationId xmlns:a16="http://schemas.microsoft.com/office/drawing/2014/main" id="{B2CA254E-264E-80E1-5589-3D7DB3397D5E}"/>
+            </a:ext>
+          </a:extLst>
+        </p:cNvPr>
+        <p:cNvGrpSpPr/>
+        <p:nvPr/>
+      </p:nvGrpSpPr>
+      <p:grpSpPr>
+        <a:xfrm>
+          <a:off x="0" y="0"/>
+          <a:ext cx="0" cy="0"/>
+          <a:chOff x="0" y="0"/>
+          <a:chExt cx="0" cy="0"/>
+        </a:xfrm>
+      </p:grpSpPr>
+      <p:pic>
+        <p:nvPicPr>
+          <p:cNvPr id="3" name="Picture 2" descr="A screenshot of a computer&#10;&#10;AI-generated content may be incorrect.">
+            <a:extLst>
+              <a:ext uri="{FF2B5EF4-FFF2-40B4-BE49-F238E27FC236}">
+                <a16:creationId xmlns:a16="http://schemas.microsoft.com/office/drawing/2014/main" id="{DB21A738-D5F8-7522-8F13-55CEA037C43E}"/>
+              </a:ext>
+            </a:extLst>
+          </p:cNvPr>
+          <p:cNvPicPr>
+            <a:picLocks noChangeAspect="1"/>
+          </p:cNvPicPr>
+          <p:nvPr/>
+        </p:nvPicPr>
+        <p:blipFill>
+          <a:blip r:embed="rId2"/>
+          <a:stretch>
+            <a:fillRect/>
+          </a:stretch>
+        </p:blipFill>
+        <p:spPr>
+          <a:xfrm>
+            <a:off x="742937" y="199505"/>
+            <a:ext cx="10418703" cy="6591993"/>
+          </a:xfrm>
+          <a:prstGeom prst="rect">
+            <a:avLst/>
+          </a:prstGeom>
+        </p:spPr>
+      </p:pic>
+      <p:sp>
+        <p:nvSpPr>
+          <p:cNvPr id="4" name="Rectangle 3">
+            <a:extLst>
+              <a:ext uri="{FF2B5EF4-FFF2-40B4-BE49-F238E27FC236}">
+                <a16:creationId xmlns:a16="http://schemas.microsoft.com/office/drawing/2014/main" id="{77A9BBD6-F4C8-BED7-A172-F84C0AEB1395}"/>
+              </a:ext>
+            </a:extLst>
+          </p:cNvPr>
+          <p:cNvSpPr/>
+          <p:nvPr/>
+        </p:nvSpPr>
+        <p:spPr>
+          <a:xfrm>
+            <a:off x="742937" y="199505"/>
+            <a:ext cx="10418703" cy="6591993"/>
+          </a:xfrm>
+          <a:prstGeom prst="rect">
+            <a:avLst/>
+          </a:prstGeom>
+          <a:noFill/>
+        </p:spPr>
+        <p:style>
+          <a:lnRef idx="2">
+            <a:schemeClr val="accent1">
+              <a:shade val="15000"/>
+            </a:schemeClr>
+          </a:lnRef>
+          <a:fillRef idx="1">
+            <a:schemeClr val="accent1"/>
+          </a:fillRef>
+          <a:effectRef idx="0">
+            <a:schemeClr val="accent1"/>
+          </a:effectRef>
+          <a:fontRef idx="minor">
+            <a:schemeClr val="lt1"/>
+          </a:fontRef>
+        </p:style>
+        <p:txBody>
+          <a:bodyPr rtlCol="0" anchor="ctr"/>
+          <a:lstStyle/>
+          <a:p>
+            <a:pPr algn="ctr"/>
+            <a:endParaRPr lang="en-US"/>
+          </a:p>
+        </p:txBody>
+      </p:sp>
+    </p:spTree>
+    <p:extLst>
+      <p:ext uri="{BB962C8B-B14F-4D97-AF65-F5344CB8AC3E}">
+        <p14:creationId xmlns:p14="http://schemas.microsoft.com/office/powerpoint/2010/main" val="546854437"/>
+      </p:ext>
+    </p:extLst>
+  </p:cSld>
+  <p:clrMapOvr>
+    <a:masterClrMapping/>
+  </p:clrMapOvr>
+</p:sld>
+</file>
+
+<file path=ppt/slides/slide8.xml><?xml version="1.0" encoding="utf-8"?>
+<p:sld xmlns:a="http://schemas.openxmlformats.org/drawingml/2006/main" xmlns:r="http://schemas.openxmlformats.org/officeDocument/2006/relationships" xmlns:p="http://schemas.openxmlformats.org/presentationml/2006/main">
+  <p:cSld>
+    <p:spTree>
+      <p:nvGrpSpPr>
+        <p:cNvPr id="1" name="">
+          <a:extLst>
+            <a:ext uri="{FF2B5EF4-FFF2-40B4-BE49-F238E27FC236}">
+              <a16:creationId xmlns:a16="http://schemas.microsoft.com/office/drawing/2014/main" id="{F111FE21-7AA9-38F1-F847-DD2220DD60F9}"/>
+            </a:ext>
+          </a:extLst>
+        </p:cNvPr>
+        <p:cNvGrpSpPr/>
+        <p:nvPr/>
+      </p:nvGrpSpPr>
+      <p:grpSpPr>
+        <a:xfrm>
+          <a:off x="0" y="0"/>
+          <a:ext cx="0" cy="0"/>
+          <a:chOff x="0" y="0"/>
+          <a:chExt cx="0" cy="0"/>
+        </a:xfrm>
+      </p:grpSpPr>
+    </p:spTree>
+    <p:extLst>
+      <p:ext uri="{BB962C8B-B14F-4D97-AF65-F5344CB8AC3E}">
+        <p14:creationId xmlns:p14="http://schemas.microsoft.com/office/powerpoint/2010/main" val="880090296"/>
+      </p:ext>
+    </p:extLst>
+  </p:cSld>
+  <p:clrMapOvr>
+    <a:masterClrMapping/>
+  </p:clrMapOvr>
+</p:sld>
+</file>
+
+<file path=ppt/slides/slide9.xml><?xml version="1.0" encoding="utf-8"?>
+<p:sld xmlns:a="http://schemas.openxmlformats.org/drawingml/2006/main" xmlns:r="http://schemas.openxmlformats.org/officeDocument/2006/relationships" xmlns:p="http://schemas.openxmlformats.org/presentationml/2006/main">
+  <p:cSld>
+    <p:spTree>
+      <p:nvGrpSpPr>
+        <p:cNvPr id="1" name="">
+          <a:extLst>
+            <a:ext uri="{FF2B5EF4-FFF2-40B4-BE49-F238E27FC236}">
+              <a16:creationId xmlns:a16="http://schemas.microsoft.com/office/drawing/2014/main" id="{A505173E-D728-1E9E-BED0-724753AC53E4}"/>
+            </a:ext>
+          </a:extLst>
+        </p:cNvPr>
+        <p:cNvGrpSpPr/>
+        <p:nvPr/>
+      </p:nvGrpSpPr>
+      <p:grpSpPr>
+        <a:xfrm>
+          <a:off x="0" y="0"/>
+          <a:ext cx="0" cy="0"/>
+          <a:chOff x="0" y="0"/>
+          <a:chExt cx="0" cy="0"/>
+        </a:xfrm>
+      </p:grpSpPr>
+    </p:spTree>
+    <p:extLst>
+      <p:ext uri="{BB962C8B-B14F-4D97-AF65-F5344CB8AC3E}">
+        <p14:creationId xmlns:p14="http://schemas.microsoft.com/office/powerpoint/2010/main" val="2465676615"/>
       </p:ext>
     </p:extLst>
   </p:cSld>

--- a/res/powerpointStuff.pptx
+++ b/res/powerpointStuff.pptx
@@ -3465,7 +3465,7 @@
         <p:spPr>
           <a:xfrm>
             <a:off x="1017594" y="3865551"/>
-            <a:ext cx="1981839" cy="369332"/>
+            <a:ext cx="2623381" cy="369332"/>
           </a:xfrm>
           <a:prstGeom prst="rect">
             <a:avLst/>
@@ -3480,7 +3480,7 @@
           <a:p>
             <a:r>
               <a:rPr lang="en-US" dirty="0"/>
-              <a:t>Peak Table</a:t>
+              <a:t>Feature Table</a:t>
             </a:r>
             <a:r>
               <a:rPr lang="en-US" dirty="0">
